--- a/ppt/03 Cómo creamos un sistema de información.pptx
+++ b/ppt/03 Cómo creamos un sistema de información.pptx
@@ -109,6 +109,11 @@
       </a:defRPr>
     </a:lvl9pPr>
   </p:defaultTextStyle>
+  <p:extLst>
+    <p:ext uri="{EFAFB233-063F-42B5-8137-9DF3F51BA10A}">
+      <p15:sldGuideLst xmlns:p15="http://schemas.microsoft.com/office/powerpoint/2012/main"/>
+    </p:ext>
+  </p:extLst>
 </p:presentation>
 </file>
 
@@ -979,7 +984,7 @@
           <a:p>
             <a:fld id="{439F43F1-0FED-407E-AE50-33C34F82DBC7}" type="datetimeFigureOut">
               <a:rPr lang="es-ES" smtClean="0"/>
-              <a:t>01/04/2019</a:t>
+              <a:t>04/04/2019</a:t>
             </a:fld>
             <a:endParaRPr lang="es-ES"/>
           </a:p>
@@ -1230,7 +1235,7 @@
           <a:p>
             <a:fld id="{439F43F1-0FED-407E-AE50-33C34F82DBC7}" type="datetimeFigureOut">
               <a:rPr lang="es-ES" smtClean="0"/>
-              <a:t>01/04/2019</a:t>
+              <a:t>04/04/2019</a:t>
             </a:fld>
             <a:endParaRPr lang="es-ES"/>
           </a:p>
@@ -1544,7 +1549,7 @@
           <a:p>
             <a:fld id="{439F43F1-0FED-407E-AE50-33C34F82DBC7}" type="datetimeFigureOut">
               <a:rPr lang="es-ES" smtClean="0"/>
-              <a:t>01/04/2019</a:t>
+              <a:t>04/04/2019</a:t>
             </a:fld>
             <a:endParaRPr lang="es-ES"/>
           </a:p>
@@ -1885,7 +1890,7 @@
           <a:p>
             <a:fld id="{439F43F1-0FED-407E-AE50-33C34F82DBC7}" type="datetimeFigureOut">
               <a:rPr lang="es-ES" smtClean="0"/>
-              <a:t>01/04/2019</a:t>
+              <a:t>04/04/2019</a:t>
             </a:fld>
             <a:endParaRPr lang="es-ES"/>
           </a:p>
@@ -2199,7 +2204,7 @@
           <a:p>
             <a:fld id="{439F43F1-0FED-407E-AE50-33C34F82DBC7}" type="datetimeFigureOut">
               <a:rPr lang="es-ES" smtClean="0"/>
-              <a:t>01/04/2019</a:t>
+              <a:t>04/04/2019</a:t>
             </a:fld>
             <a:endParaRPr lang="es-ES"/>
           </a:p>
@@ -2592,7 +2597,7 @@
           <a:p>
             <a:fld id="{439F43F1-0FED-407E-AE50-33C34F82DBC7}" type="datetimeFigureOut">
               <a:rPr lang="es-ES" smtClean="0"/>
-              <a:t>01/04/2019</a:t>
+              <a:t>04/04/2019</a:t>
             </a:fld>
             <a:endParaRPr lang="es-ES"/>
           </a:p>
@@ -2762,7 +2767,7 @@
           <a:p>
             <a:fld id="{439F43F1-0FED-407E-AE50-33C34F82DBC7}" type="datetimeFigureOut">
               <a:rPr lang="es-ES" smtClean="0"/>
-              <a:t>01/04/2019</a:t>
+              <a:t>04/04/2019</a:t>
             </a:fld>
             <a:endParaRPr lang="es-ES"/>
           </a:p>
@@ -2942,7 +2947,7 @@
           <a:p>
             <a:fld id="{439F43F1-0FED-407E-AE50-33C34F82DBC7}" type="datetimeFigureOut">
               <a:rPr lang="es-ES" smtClean="0"/>
-              <a:t>01/04/2019</a:t>
+              <a:t>04/04/2019</a:t>
             </a:fld>
             <a:endParaRPr lang="es-ES"/>
           </a:p>
@@ -3118,7 +3123,7 @@
           <a:p>
             <a:fld id="{439F43F1-0FED-407E-AE50-33C34F82DBC7}" type="datetimeFigureOut">
               <a:rPr lang="es-ES" smtClean="0"/>
-              <a:t>01/04/2019</a:t>
+              <a:t>04/04/2019</a:t>
             </a:fld>
             <a:endParaRPr lang="es-ES"/>
           </a:p>
@@ -3365,7 +3370,7 @@
           <a:p>
             <a:fld id="{439F43F1-0FED-407E-AE50-33C34F82DBC7}" type="datetimeFigureOut">
               <a:rPr lang="es-ES" smtClean="0"/>
-              <a:t>01/04/2019</a:t>
+              <a:t>04/04/2019</a:t>
             </a:fld>
             <a:endParaRPr lang="es-ES"/>
           </a:p>
@@ -3597,7 +3602,7 @@
           <a:p>
             <a:fld id="{439F43F1-0FED-407E-AE50-33C34F82DBC7}" type="datetimeFigureOut">
               <a:rPr lang="es-ES" smtClean="0"/>
-              <a:t>01/04/2019</a:t>
+              <a:t>04/04/2019</a:t>
             </a:fld>
             <a:endParaRPr lang="es-ES"/>
           </a:p>
@@ -3971,7 +3976,7 @@
           <a:p>
             <a:fld id="{439F43F1-0FED-407E-AE50-33C34F82DBC7}" type="datetimeFigureOut">
               <a:rPr lang="es-ES" smtClean="0"/>
-              <a:t>01/04/2019</a:t>
+              <a:t>04/04/2019</a:t>
             </a:fld>
             <a:endParaRPr lang="es-ES"/>
           </a:p>
@@ -4094,7 +4099,7 @@
           <a:p>
             <a:fld id="{439F43F1-0FED-407E-AE50-33C34F82DBC7}" type="datetimeFigureOut">
               <a:rPr lang="es-ES" smtClean="0"/>
-              <a:t>01/04/2019</a:t>
+              <a:t>04/04/2019</a:t>
             </a:fld>
             <a:endParaRPr lang="es-ES"/>
           </a:p>
@@ -4189,7 +4194,7 @@
           <a:p>
             <a:fld id="{439F43F1-0FED-407E-AE50-33C34F82DBC7}" type="datetimeFigureOut">
               <a:rPr lang="es-ES" smtClean="0"/>
-              <a:t>01/04/2019</a:t>
+              <a:t>04/04/2019</a:t>
             </a:fld>
             <a:endParaRPr lang="es-ES"/>
           </a:p>
@@ -4444,7 +4449,7 @@
           <a:p>
             <a:fld id="{439F43F1-0FED-407E-AE50-33C34F82DBC7}" type="datetimeFigureOut">
               <a:rPr lang="es-ES" smtClean="0"/>
-              <a:t>01/04/2019</a:t>
+              <a:t>04/04/2019</a:t>
             </a:fld>
             <a:endParaRPr lang="es-ES"/>
           </a:p>
@@ -4707,7 +4712,7 @@
           <a:p>
             <a:fld id="{439F43F1-0FED-407E-AE50-33C34F82DBC7}" type="datetimeFigureOut">
               <a:rPr lang="es-ES" smtClean="0"/>
-              <a:t>01/04/2019</a:t>
+              <a:t>04/04/2019</a:t>
             </a:fld>
             <a:endParaRPr lang="es-ES"/>
           </a:p>
@@ -5450,7 +5455,7 @@
           <a:p>
             <a:fld id="{439F43F1-0FED-407E-AE50-33C34F82DBC7}" type="datetimeFigureOut">
               <a:rPr lang="es-ES" smtClean="0"/>
-              <a:t>01/04/2019</a:t>
+              <a:t>04/04/2019</a:t>
             </a:fld>
             <a:endParaRPr lang="es-ES"/>
           </a:p>
